--- a/Documents/Documentacion/PET SITTING_MariaLuisa.pptx
+++ b/Documents/Documentacion/PET SITTING_MariaLuisa.pptx
@@ -12,6 +12,9 @@
     <p:sldId id="267" r:id="rId6"/>
     <p:sldId id="265" r:id="rId7"/>
     <p:sldId id="268" r:id="rId8"/>
+    <p:sldId id="261" r:id="rId9"/>
+    <p:sldId id="259" r:id="rId10"/>
+    <p:sldId id="260" r:id="rId11"/>
   </p:sldIdLst>
   <p:sldSz cx="12192000" cy="6858000"/>
   <p:notesSz cx="6858000" cy="9144000"/>
@@ -343,7 +346,7 @@
             <a:fld id="{5586B75A-687E-405C-8A0B-8D00578BA2C3}" type="datetimeFigureOut">
               <a:rPr lang="en-US" dirty="0"/>
               <a:pPr/>
-              <a:t>3/13/2019</a:t>
+              <a:t>3/18/2019</a:t>
             </a:fld>
             <a:endParaRPr lang="en-US" dirty="0"/>
           </a:p>
@@ -510,7 +513,7 @@
             <a:fld id="{5586B75A-687E-405C-8A0B-8D00578BA2C3}" type="datetimeFigureOut">
               <a:rPr lang="en-US" dirty="0"/>
               <a:pPr/>
-              <a:t>3/13/2019</a:t>
+              <a:t>3/18/2019</a:t>
             </a:fld>
             <a:endParaRPr lang="en-US" dirty="0"/>
           </a:p>
@@ -687,7 +690,7 @@
             <a:fld id="{5586B75A-687E-405C-8A0B-8D00578BA2C3}" type="datetimeFigureOut">
               <a:rPr lang="en-US" dirty="0"/>
               <a:pPr/>
-              <a:t>3/13/2019</a:t>
+              <a:t>3/18/2019</a:t>
             </a:fld>
             <a:endParaRPr lang="en-US" dirty="0"/>
           </a:p>
@@ -854,7 +857,7 @@
             <a:fld id="{5586B75A-687E-405C-8A0B-8D00578BA2C3}" type="datetimeFigureOut">
               <a:rPr lang="en-US" dirty="0"/>
               <a:pPr/>
-              <a:t>3/13/2019</a:t>
+              <a:t>3/18/2019</a:t>
             </a:fld>
             <a:endParaRPr lang="en-US" dirty="0"/>
           </a:p>
@@ -1109,7 +1112,7 @@
             <a:fld id="{5586B75A-687E-405C-8A0B-8D00578BA2C3}" type="datetimeFigureOut">
               <a:rPr lang="en-US" dirty="0"/>
               <a:pPr/>
-              <a:t>3/13/2019</a:t>
+              <a:t>3/18/2019</a:t>
             </a:fld>
             <a:endParaRPr lang="en-US" dirty="0"/>
           </a:p>
@@ -1394,7 +1397,7 @@
             <a:fld id="{5586B75A-687E-405C-8A0B-8D00578BA2C3}" type="datetimeFigureOut">
               <a:rPr lang="en-US" dirty="0"/>
               <a:pPr/>
-              <a:t>3/13/2019</a:t>
+              <a:t>3/18/2019</a:t>
             </a:fld>
             <a:endParaRPr lang="en-US" dirty="0"/>
           </a:p>
@@ -1833,7 +1836,7 @@
             <a:fld id="{5586B75A-687E-405C-8A0B-8D00578BA2C3}" type="datetimeFigureOut">
               <a:rPr lang="en-US" dirty="0"/>
               <a:pPr/>
-              <a:t>3/13/2019</a:t>
+              <a:t>3/18/2019</a:t>
             </a:fld>
             <a:endParaRPr lang="en-US" dirty="0"/>
           </a:p>
@@ -1948,7 +1951,7 @@
             <a:fld id="{5586B75A-687E-405C-8A0B-8D00578BA2C3}" type="datetimeFigureOut">
               <a:rPr lang="en-US" dirty="0"/>
               <a:pPr/>
-              <a:t>3/13/2019</a:t>
+              <a:t>3/18/2019</a:t>
             </a:fld>
             <a:endParaRPr lang="en-US" dirty="0"/>
           </a:p>
@@ -2040,7 +2043,7 @@
             <a:fld id="{5586B75A-687E-405C-8A0B-8D00578BA2C3}" type="datetimeFigureOut">
               <a:rPr lang="en-US" dirty="0"/>
               <a:pPr/>
-              <a:t>3/13/2019</a:t>
+              <a:t>3/18/2019</a:t>
             </a:fld>
             <a:endParaRPr lang="en-US" dirty="0"/>
           </a:p>
@@ -2325,7 +2328,7 @@
             <a:fld id="{5586B75A-687E-405C-8A0B-8D00578BA2C3}" type="datetimeFigureOut">
               <a:rPr lang="en-US" dirty="0"/>
               <a:pPr/>
-              <a:t>3/13/2019</a:t>
+              <a:t>3/18/2019</a:t>
             </a:fld>
             <a:endParaRPr lang="en-US" dirty="0"/>
           </a:p>
@@ -2595,7 +2598,7 @@
             <a:fld id="{5586B75A-687E-405C-8A0B-8D00578BA2C3}" type="datetimeFigureOut">
               <a:rPr lang="en-US" dirty="0"/>
               <a:pPr/>
-              <a:t>3/13/2019</a:t>
+              <a:t>3/18/2019</a:t>
             </a:fld>
             <a:endParaRPr lang="en-US" dirty="0"/>
           </a:p>
@@ -2889,7 +2892,7 @@
             <a:fld id="{5586B75A-687E-405C-8A0B-8D00578BA2C3}" type="datetimeFigureOut">
               <a:rPr lang="en-US" dirty="0"/>
               <a:pPr/>
-              <a:t>3/13/2019</a:t>
+              <a:t>3/18/2019</a:t>
             </a:fld>
             <a:endParaRPr lang="en-US" dirty="0"/>
           </a:p>
@@ -3486,6 +3489,136 @@
 </p:sld>
 </file>
 
+<file path=ppt/slides/slide10.xml><?xml version="1.0" encoding="utf-8"?>
+<p:sld xmlns:a="http://schemas.openxmlformats.org/drawingml/2006/main" xmlns:r="http://schemas.openxmlformats.org/officeDocument/2006/relationships" xmlns:p="http://schemas.openxmlformats.org/presentationml/2006/main">
+  <p:cSld>
+    <p:spTree>
+      <p:nvGrpSpPr>
+        <p:cNvPr id="1" name=""/>
+        <p:cNvGrpSpPr/>
+        <p:nvPr/>
+      </p:nvGrpSpPr>
+      <p:grpSpPr>
+        <a:xfrm>
+          <a:off x="0" y="0"/>
+          <a:ext cx="0" cy="0"/>
+          <a:chOff x="0" y="0"/>
+          <a:chExt cx="0" cy="0"/>
+        </a:xfrm>
+      </p:grpSpPr>
+      <p:sp>
+        <p:nvSpPr>
+          <p:cNvPr id="2" name="Título 1"/>
+          <p:cNvSpPr>
+            <a:spLocks noGrp="1"/>
+          </p:cNvSpPr>
+          <p:nvPr>
+            <p:ph type="title"/>
+          </p:nvPr>
+        </p:nvSpPr>
+        <p:spPr/>
+        <p:txBody>
+          <a:bodyPr/>
+          <a:lstStyle/>
+          <a:p>
+            <a:pPr algn="ctr"/>
+            <a:br>
+              <a:rPr lang="es-MX" dirty="0"/>
+            </a:br>
+            <a:r>
+              <a:rPr lang="es-MX" sz="2400" dirty="0"/>
+              <a:t>(</a:t>
+            </a:r>
+            <a:r>
+              <a:rPr lang="es-MX" sz="2400" dirty="0" err="1"/>
+              <a:t>Storyboards</a:t>
+            </a:r>
+            <a:r>
+              <a:rPr lang="es-MX" sz="2400" dirty="0"/>
+              <a:t> de la aplicación de escritorio.) </a:t>
+            </a:r>
+            <a:endParaRPr lang="es-MX" dirty="0"/>
+          </a:p>
+        </p:txBody>
+      </p:sp>
+      <p:pic>
+        <p:nvPicPr>
+          <p:cNvPr id="4" name="Imagen 3" descr="LogoPetSitting"/>
+          <p:cNvPicPr/>
+          <p:nvPr/>
+        </p:nvPicPr>
+        <p:blipFill>
+          <a:blip r:embed="rId2" cstate="print">
+            <a:extLst>
+              <a:ext uri="{28A0092B-C50C-407E-A947-70E740481C1C}">
+                <a14:useLocalDpi xmlns:a14="http://schemas.microsoft.com/office/drawing/2010/main" val="0"/>
+              </a:ext>
+            </a:extLst>
+          </a:blip>
+          <a:srcRect/>
+          <a:stretch>
+            <a:fillRect/>
+          </a:stretch>
+        </p:blipFill>
+        <p:spPr bwMode="auto">
+          <a:xfrm>
+            <a:off x="10387755" y="284353"/>
+            <a:ext cx="1148080" cy="706755"/>
+          </a:xfrm>
+          <a:prstGeom prst="rect">
+            <a:avLst/>
+          </a:prstGeom>
+          <a:noFill/>
+          <a:ln>
+            <a:noFill/>
+          </a:ln>
+        </p:spPr>
+      </p:pic>
+      <p:pic>
+        <p:nvPicPr>
+          <p:cNvPr id="5" name="Marcador de contenido 4"/>
+          <p:cNvPicPr>
+            <a:picLocks noGrp="1"/>
+          </p:cNvPicPr>
+          <p:nvPr>
+            <p:ph idx="1"/>
+          </p:nvPr>
+        </p:nvPicPr>
+        <p:blipFill>
+          <a:blip r:embed="rId3">
+            <a:extLst>
+              <a:ext uri="{28A0092B-C50C-407E-A947-70E740481C1C}">
+                <a14:useLocalDpi xmlns:a14="http://schemas.microsoft.com/office/drawing/2010/main" val="0"/>
+              </a:ext>
+            </a:extLst>
+          </a:blip>
+          <a:stretch>
+            <a:fillRect/>
+          </a:stretch>
+        </p:blipFill>
+        <p:spPr>
+          <a:xfrm>
+            <a:off x="4584701" y="769936"/>
+            <a:ext cx="5340350" cy="5084763"/>
+          </a:xfrm>
+          <a:prstGeom prst="rect">
+            <a:avLst/>
+          </a:prstGeom>
+        </p:spPr>
+      </p:pic>
+    </p:spTree>
+    <p:extLst>
+      <p:ext uri="{BB962C8B-B14F-4D97-AF65-F5344CB8AC3E}">
+        <p14:creationId xmlns:p14="http://schemas.microsoft.com/office/powerpoint/2010/main" val="2214492545"/>
+      </p:ext>
+    </p:extLst>
+  </p:cSld>
+  <p:clrMapOvr>
+    <a:masterClrMapping/>
+  </p:clrMapOvr>
+</p:sld>
+</file>
+
 <file path=ppt/slides/slide2.xml><?xml version="1.0" encoding="utf-8"?>
 <p:sld xmlns:a="http://schemas.openxmlformats.org/drawingml/2006/main" xmlns:r="http://schemas.openxmlformats.org/officeDocument/2006/relationships" xmlns:p="http://schemas.openxmlformats.org/presentationml/2006/main">
   <p:cSld>
@@ -3520,10 +3653,9 @@
           <a:p>
             <a:pPr algn="ctr"/>
             <a:r>
-              <a:rPr lang="es-MX" dirty="0" smtClean="0"/>
-              <a:t>Objetivos</a:t>
-            </a:r>
-            <a:endParaRPr lang="es-MX" dirty="0"/>
+              <a:rPr lang="es-MX" dirty="0"/>
+              <a:t>Objetivo</a:t>
+            </a:r>
           </a:p>
         </p:txBody>
       </p:sp>
@@ -3547,7 +3679,14 @@
             <a:pPr marL="0" indent="0" algn="just">
               <a:buNone/>
             </a:pPr>
-            <a:endParaRPr lang="es-MX" sz="2400" dirty="0"/>
+            <a:r>
+              <a:rPr lang="es-MX" sz="3600" dirty="0">
+                <a:solidFill>
+                  <a:schemeClr val="tx1"/>
+                </a:solidFill>
+              </a:rPr>
+              <a:t>Crear un dispensador de alimento para mascota con el fin de llenar el plato de comida de la mascota con base en el tipo de mascota, raza, edad, tamaño y peso de forma automática.</a:t>
+            </a:r>
           </a:p>
         </p:txBody>
       </p:sp>
@@ -3631,10 +3770,9 @@
           <a:p>
             <a:pPr algn="ctr"/>
             <a:r>
-              <a:rPr lang="es-MX" dirty="0" smtClean="0"/>
+              <a:rPr lang="es-MX" dirty="0"/>
               <a:t>Alcance  </a:t>
             </a:r>
-            <a:endParaRPr lang="es-MX" dirty="0"/>
           </a:p>
         </p:txBody>
       </p:sp>
@@ -3650,15 +3788,25 @@
         </p:nvSpPr>
         <p:spPr>
           <a:xfrm>
-            <a:off x="3869268" y="864108"/>
-            <a:ext cx="7315200" cy="5120640"/>
+            <a:off x="3711086" y="1123837"/>
+            <a:ext cx="7824749" cy="5120640"/>
           </a:xfrm>
         </p:spPr>
         <p:txBody>
-          <a:bodyPr/>
+          <a:bodyPr>
+            <a:noAutofit/>
+          </a:bodyPr>
           <a:lstStyle/>
           <a:p>
-            <a:endParaRPr lang="es-MX" dirty="0"/>
+            <a:pPr algn="just"/>
+            <a:r>
+              <a:rPr lang="es-MX" sz="3200" dirty="0">
+                <a:solidFill>
+                  <a:schemeClr val="tx1"/>
+                </a:solidFill>
+              </a:rPr>
+              <a:t>El dispensador de alimento para mascota va dirigido a perros, gatos y conejos, el cual tiene como objetivo principal llenar el plato de comida vertiendo la cantidad aproximada que la mascota necesita dependiendo del tipo, raza y edad, esta acción será llevada a cabo en una hora especificada por el usuario y además el dispensador podrá enviar una notificación cuando el alimento este por acabarse, como también se le podrá notificar al usuario cuando sea necesario actualizar la información de su mascota. </a:t>
+            </a:r>
           </a:p>
         </p:txBody>
       </p:sp>
@@ -3762,104 +3910,160 @@
         <p:spPr/>
         <p:txBody>
           <a:bodyPr>
-            <a:normAutofit fontScale="92500" lnSpcReduction="20000"/>
+            <a:noAutofit/>
           </a:bodyPr>
           <a:lstStyle/>
           <a:p>
-            <a:pPr lvl="0"/>
-            <a:r>
-              <a:rPr lang="es-MX" dirty="0"/>
+            <a:pPr lvl="0" algn="just"/>
+            <a:r>
+              <a:rPr lang="es-MX" dirty="0">
+                <a:solidFill>
+                  <a:schemeClr val="tx1"/>
+                </a:solidFill>
+              </a:rPr>
               <a:t>Registrar mascota.</a:t>
             </a:r>
           </a:p>
           <a:p>
-            <a:pPr lvl="0"/>
-            <a:r>
-              <a:rPr lang="es-MX" dirty="0"/>
+            <a:pPr lvl="0" algn="just"/>
+            <a:r>
+              <a:rPr lang="es-MX" dirty="0">
+                <a:solidFill>
+                  <a:schemeClr val="tx1"/>
+                </a:solidFill>
+              </a:rPr>
               <a:t>Modificar datos de la mascota.</a:t>
             </a:r>
           </a:p>
           <a:p>
-            <a:pPr lvl="0"/>
-            <a:r>
-              <a:rPr lang="es-MX" dirty="0"/>
+            <a:pPr lvl="0" algn="just"/>
+            <a:r>
+              <a:rPr lang="es-MX" dirty="0">
+                <a:solidFill>
+                  <a:schemeClr val="tx1"/>
+                </a:solidFill>
+              </a:rPr>
               <a:t>Eliminar datos de la mascota.</a:t>
             </a:r>
           </a:p>
           <a:p>
-            <a:pPr lvl="0"/>
-            <a:r>
-              <a:rPr lang="es-MX" dirty="0"/>
+            <a:pPr lvl="0" algn="just"/>
+            <a:r>
+              <a:rPr lang="es-MX" dirty="0">
+                <a:solidFill>
+                  <a:schemeClr val="tx1"/>
+                </a:solidFill>
+              </a:rPr>
               <a:t>Mostrar datos de la mascota.</a:t>
             </a:r>
           </a:p>
           <a:p>
-            <a:pPr lvl="0"/>
-            <a:r>
-              <a:rPr lang="es-MX" dirty="0"/>
+            <a:pPr lvl="0" algn="just"/>
+            <a:r>
+              <a:rPr lang="es-MX" dirty="0">
+                <a:solidFill>
+                  <a:schemeClr val="tx1"/>
+                </a:solidFill>
+              </a:rPr>
               <a:t>Mostrar información precargada a seleccionar.</a:t>
             </a:r>
           </a:p>
           <a:p>
-            <a:pPr lvl="0"/>
-            <a:r>
-              <a:rPr lang="es-MX" dirty="0"/>
+            <a:pPr lvl="0" algn="just"/>
+            <a:r>
+              <a:rPr lang="es-MX" dirty="0">
+                <a:solidFill>
+                  <a:schemeClr val="tx1"/>
+                </a:solidFill>
+              </a:rPr>
               <a:t>Seleccionar datos sobre la mascota.</a:t>
             </a:r>
           </a:p>
           <a:p>
-            <a:pPr lvl="0"/>
-            <a:r>
-              <a:rPr lang="es-MX" dirty="0"/>
+            <a:pPr lvl="0" algn="just"/>
+            <a:r>
+              <a:rPr lang="es-MX" dirty="0">
+                <a:solidFill>
+                  <a:schemeClr val="tx1"/>
+                </a:solidFill>
+              </a:rPr>
               <a:t>Envía datos al dispositivo.</a:t>
             </a:r>
           </a:p>
           <a:p>
-            <a:pPr lvl="0"/>
-            <a:r>
-              <a:rPr lang="es-MX" dirty="0"/>
+            <a:pPr lvl="0" algn="just"/>
+            <a:r>
+              <a:rPr lang="es-MX" dirty="0">
+                <a:solidFill>
+                  <a:schemeClr val="tx1"/>
+                </a:solidFill>
+              </a:rPr>
               <a:t>Envía notificación para actualizar datos de la mascota.</a:t>
             </a:r>
           </a:p>
           <a:p>
-            <a:pPr lvl="0"/>
-            <a:r>
-              <a:rPr lang="es-MX" dirty="0"/>
+            <a:pPr lvl="0" algn="just"/>
+            <a:r>
+              <a:rPr lang="es-MX" dirty="0">
+                <a:solidFill>
+                  <a:schemeClr val="tx1"/>
+                </a:solidFill>
+              </a:rPr>
               <a:t>Envía notificación de aviso cuando haya poca cantidad de alimento.</a:t>
             </a:r>
           </a:p>
           <a:p>
-            <a:pPr lvl="0"/>
-            <a:r>
-              <a:rPr lang="es-MX" dirty="0"/>
-              <a:t> Dispensar la cantidad de alimento a soltar.</a:t>
-            </a:r>
-          </a:p>
-          <a:p>
-            <a:pPr lvl="0"/>
-            <a:r>
-              <a:rPr lang="es-MX" dirty="0"/>
+            <a:pPr lvl="0" algn="just"/>
+            <a:r>
+              <a:rPr lang="es-MX" dirty="0">
+                <a:solidFill>
+                  <a:schemeClr val="tx1"/>
+                </a:solidFill>
+              </a:rPr>
+              <a:t>Dispensar la cantidad de alimento a soltar.</a:t>
+            </a:r>
+          </a:p>
+          <a:p>
+            <a:pPr lvl="0" algn="just"/>
+            <a:r>
+              <a:rPr lang="es-MX" dirty="0">
+                <a:solidFill>
+                  <a:schemeClr val="tx1"/>
+                </a:solidFill>
+              </a:rPr>
               <a:t>Llenar el plato de comida de la mascota.</a:t>
             </a:r>
           </a:p>
           <a:p>
-            <a:pPr lvl="0"/>
-            <a:r>
-              <a:rPr lang="es-MX" dirty="0"/>
+            <a:pPr lvl="0" algn="just"/>
+            <a:r>
+              <a:rPr lang="es-MX" dirty="0">
+                <a:solidFill>
+                  <a:schemeClr val="tx1"/>
+                </a:solidFill>
+              </a:rPr>
               <a:t>Abrir puerta del alimento.</a:t>
             </a:r>
           </a:p>
           <a:p>
-            <a:pPr lvl="0"/>
-            <a:r>
-              <a:rPr lang="es-MX" dirty="0"/>
+            <a:pPr lvl="0" algn="just"/>
+            <a:r>
+              <a:rPr lang="es-MX" dirty="0">
+                <a:solidFill>
+                  <a:schemeClr val="tx1"/>
+                </a:solidFill>
+              </a:rPr>
               <a:t>Cerrar puerta del alimento.</a:t>
             </a:r>
           </a:p>
           <a:p>
-            <a:pPr lvl="0"/>
-            <a:r>
-              <a:rPr lang="es-MX" dirty="0"/>
+            <a:pPr lvl="0" algn="just"/>
+            <a:r>
+              <a:rPr lang="es-MX" dirty="0">
+                <a:solidFill>
+                  <a:schemeClr val="tx1"/>
+                </a:solidFill>
+              </a:rPr>
               <a:t>Detectar insuficiencia de alimento del dispensador.</a:t>
             </a:r>
           </a:p>
@@ -3944,7 +4148,7 @@
           <a:lstStyle/>
           <a:p>
             <a:r>
-              <a:rPr lang="es-ES" dirty="0" smtClean="0"/>
+              <a:rPr lang="es-ES" dirty="0"/>
               <a:t>Metodología</a:t>
             </a:r>
             <a:endParaRPr lang="en-US" dirty="0"/>
@@ -3963,10 +4167,231 @@
         </p:nvSpPr>
         <p:spPr/>
         <p:txBody>
-          <a:bodyPr/>
+          <a:bodyPr>
+            <a:normAutofit/>
+          </a:bodyPr>
           <a:lstStyle/>
           <a:p>
-            <a:endParaRPr lang="en-US"/>
+            <a:pPr algn="just"/>
+            <a:r>
+              <a:rPr lang="en-US" sz="2800" dirty="0">
+                <a:solidFill>
+                  <a:schemeClr val="tx1"/>
+                </a:solidFill>
+              </a:rPr>
+              <a:t>SCRUM</a:t>
+            </a:r>
+          </a:p>
+          <a:p>
+            <a:pPr marL="0" indent="0" algn="just">
+              <a:buNone/>
+            </a:pPr>
+            <a:r>
+              <a:rPr lang="en-US" sz="2800" dirty="0">
+                <a:solidFill>
+                  <a:schemeClr val="tx1"/>
+                </a:solidFill>
+              </a:rPr>
+              <a:t>Es una </a:t>
+            </a:r>
+            <a:r>
+              <a:rPr lang="es-MX" sz="2800" dirty="0">
+                <a:solidFill>
+                  <a:schemeClr val="tx1"/>
+                </a:solidFill>
+              </a:rPr>
+              <a:t>metodología</a:t>
+            </a:r>
+            <a:r>
+              <a:rPr lang="en-US" sz="2800" dirty="0">
+                <a:solidFill>
+                  <a:schemeClr val="tx1"/>
+                </a:solidFill>
+              </a:rPr>
+              <a:t> </a:t>
+            </a:r>
+            <a:r>
+              <a:rPr lang="en-US" sz="2800" dirty="0" err="1">
+                <a:solidFill>
+                  <a:schemeClr val="tx1"/>
+                </a:solidFill>
+              </a:rPr>
+              <a:t>ágil</a:t>
+            </a:r>
+            <a:r>
+              <a:rPr lang="en-US" sz="2800" dirty="0">
+                <a:solidFill>
+                  <a:schemeClr val="tx1"/>
+                </a:solidFill>
+              </a:rPr>
+              <a:t>  que </a:t>
+            </a:r>
+            <a:r>
+              <a:rPr lang="en-US" sz="2800" dirty="0" err="1">
+                <a:solidFill>
+                  <a:schemeClr val="tx1"/>
+                </a:solidFill>
+              </a:rPr>
+              <a:t>permite</a:t>
+            </a:r>
+            <a:r>
+              <a:rPr lang="en-US" sz="2800" dirty="0">
+                <a:solidFill>
+                  <a:schemeClr val="tx1"/>
+                </a:solidFill>
+              </a:rPr>
+              <a:t> realizer </a:t>
+            </a:r>
+            <a:r>
+              <a:rPr lang="en-US" sz="2800" dirty="0" err="1">
+                <a:solidFill>
+                  <a:schemeClr val="tx1"/>
+                </a:solidFill>
+              </a:rPr>
+              <a:t>proyectos</a:t>
+            </a:r>
+            <a:r>
+              <a:rPr lang="en-US" sz="2800" dirty="0">
+                <a:solidFill>
+                  <a:schemeClr val="tx1"/>
+                </a:solidFill>
+              </a:rPr>
+              <a:t> de software de </a:t>
+            </a:r>
+            <a:r>
+              <a:rPr lang="en-US" sz="2800" dirty="0" err="1">
+                <a:solidFill>
+                  <a:schemeClr val="tx1"/>
+                </a:solidFill>
+              </a:rPr>
+              <a:t>manera</a:t>
+            </a:r>
+            <a:r>
+              <a:rPr lang="en-US" sz="2800" dirty="0">
+                <a:solidFill>
+                  <a:schemeClr val="tx1"/>
+                </a:solidFill>
+              </a:rPr>
+              <a:t> </a:t>
+            </a:r>
+            <a:r>
+              <a:rPr lang="en-US" sz="2800" dirty="0" err="1">
+                <a:solidFill>
+                  <a:schemeClr val="tx1"/>
+                </a:solidFill>
+              </a:rPr>
+              <a:t>más</a:t>
+            </a:r>
+            <a:r>
+              <a:rPr lang="en-US" sz="2800" dirty="0">
+                <a:solidFill>
+                  <a:schemeClr val="tx1"/>
+                </a:solidFill>
+              </a:rPr>
+              <a:t> </a:t>
+            </a:r>
+            <a:r>
+              <a:rPr lang="en-US" sz="2800" dirty="0" err="1">
+                <a:solidFill>
+                  <a:schemeClr val="tx1"/>
+                </a:solidFill>
+              </a:rPr>
+              <a:t>rapida</a:t>
+            </a:r>
+            <a:r>
+              <a:rPr lang="en-US" sz="2800" dirty="0">
+                <a:solidFill>
+                  <a:schemeClr val="tx1"/>
+                </a:solidFill>
+              </a:rPr>
+              <a:t> y </a:t>
+            </a:r>
+            <a:r>
+              <a:rPr lang="en-US" sz="2800" dirty="0" err="1">
+                <a:solidFill>
+                  <a:schemeClr val="tx1"/>
+                </a:solidFill>
+              </a:rPr>
+              <a:t>eficente</a:t>
+            </a:r>
+            <a:r>
+              <a:rPr lang="en-US" sz="2800" dirty="0">
+                <a:solidFill>
+                  <a:schemeClr val="tx1"/>
+                </a:solidFill>
+              </a:rPr>
+              <a:t>.</a:t>
+            </a:r>
+          </a:p>
+          <a:p>
+            <a:pPr algn="just"/>
+            <a:r>
+              <a:rPr lang="en-US" sz="2800" dirty="0" err="1">
+                <a:solidFill>
+                  <a:schemeClr val="tx1"/>
+                </a:solidFill>
+              </a:rPr>
+              <a:t>Beneficios</a:t>
+            </a:r>
+            <a:endParaRPr lang="en-US" sz="2800" dirty="0">
+              <a:solidFill>
+                <a:schemeClr val="tx1"/>
+              </a:solidFill>
+            </a:endParaRPr>
+          </a:p>
+          <a:p>
+            <a:pPr marL="0" indent="0" algn="just">
+              <a:buNone/>
+            </a:pPr>
+            <a:endParaRPr lang="en-US" sz="2800" dirty="0">
+              <a:solidFill>
+                <a:schemeClr val="tx1"/>
+              </a:solidFill>
+            </a:endParaRPr>
+          </a:p>
+          <a:p>
+            <a:pPr lvl="1" algn="just"/>
+            <a:r>
+              <a:rPr lang="es-MX" sz="2800" dirty="0">
+                <a:solidFill>
+                  <a:schemeClr val="tx1"/>
+                </a:solidFill>
+              </a:rPr>
+              <a:t>Flexibilidad a cambios</a:t>
+            </a:r>
+          </a:p>
+          <a:p>
+            <a:pPr lvl="1" algn="just"/>
+            <a:r>
+              <a:rPr lang="es-MX" sz="2800" dirty="0">
+                <a:solidFill>
+                  <a:schemeClr val="tx1"/>
+                </a:solidFill>
+              </a:rPr>
+              <a:t>Mayor calidad del software</a:t>
+            </a:r>
+          </a:p>
+          <a:p>
+            <a:pPr lvl="1" algn="just"/>
+            <a:r>
+              <a:rPr lang="es-MX" sz="2800" dirty="0">
+                <a:solidFill>
+                  <a:schemeClr val="tx1"/>
+                </a:solidFill>
+              </a:rPr>
+              <a:t>Predicciones de tiempos</a:t>
+            </a:r>
+          </a:p>
+          <a:p>
+            <a:pPr lvl="1" algn="just"/>
+            <a:r>
+              <a:rPr lang="es-MX" sz="2800" dirty="0">
+                <a:solidFill>
+                  <a:schemeClr val="tx1"/>
+                </a:solidFill>
+              </a:rPr>
+              <a:t>Reducción de riesgos</a:t>
+            </a:r>
           </a:p>
         </p:txBody>
       </p:sp>
@@ -4017,10 +4442,9 @@
           <a:p>
             <a:pPr algn="ctr"/>
             <a:r>
-              <a:rPr lang="es-MX" dirty="0" smtClean="0"/>
+              <a:rPr lang="es-MX" dirty="0"/>
               <a:t>Costos</a:t>
             </a:r>
-            <a:endParaRPr lang="es-MX" dirty="0"/>
           </a:p>
         </p:txBody>
       </p:sp>
@@ -4087,12 +4511,12 @@
                         </a:spcAft>
                       </a:pPr>
                       <a:r>
-                        <a:rPr lang="es-MX" sz="1200">
+                        <a:rPr lang="es-MX" sz="1200" dirty="0">
                           <a:effectLst/>
                         </a:rPr>
                         <a:t>Tipo de Recurso</a:t>
                       </a:r>
-                      <a:endParaRPr lang="es-MX" sz="1200">
+                      <a:endParaRPr lang="es-MX" sz="1200" dirty="0">
                         <a:effectLst/>
                         <a:latin typeface="Century Gothic" panose="020B0502020202020204" pitchFamily="34" charset="0"/>
                         <a:ea typeface="STKaiti"/>
@@ -4116,12 +4540,12 @@
                         </a:spcAft>
                       </a:pPr>
                       <a:r>
-                        <a:rPr lang="es-MX" sz="1200">
+                        <a:rPr lang="es-MX" sz="1200" dirty="0" err="1">
                           <a:effectLst/>
                         </a:rPr>
                         <a:t>Descripcion</a:t>
                       </a:r>
-                      <a:endParaRPr lang="es-MX" sz="1200">
+                      <a:endParaRPr lang="es-MX" sz="1200" dirty="0">
                         <a:effectLst/>
                         <a:latin typeface="Century Gothic" panose="020B0502020202020204" pitchFamily="34" charset="0"/>
                         <a:ea typeface="STKaiti"/>
@@ -4673,40 +5097,759 @@
           <a:lstStyle/>
           <a:p>
             <a:r>
-              <a:rPr lang="es-ES" dirty="0" smtClean="0"/>
+              <a:rPr lang="es-ES" dirty="0"/>
               <a:t>Cotización real</a:t>
             </a:r>
             <a:endParaRPr lang="en-US" dirty="0"/>
           </a:p>
         </p:txBody>
       </p:sp>
-      <p:sp>
-        <p:nvSpPr>
-          <p:cNvPr id="3" name="Marcador de contenido 2"/>
-          <p:cNvSpPr>
-            <a:spLocks noGrp="1"/>
-          </p:cNvSpPr>
+      <p:graphicFrame>
+        <p:nvGraphicFramePr>
+          <p:cNvPr id="4" name="Marcador de contenido 3">
+            <a:extLst>
+              <a:ext uri="{FF2B5EF4-FFF2-40B4-BE49-F238E27FC236}">
+                <a16:creationId xmlns:a16="http://schemas.microsoft.com/office/drawing/2014/main" id="{D5708AB0-2C90-4675-BA78-44AC8C1879F0}"/>
+              </a:ext>
+            </a:extLst>
+          </p:cNvPr>
+          <p:cNvGraphicFramePr>
+            <a:graphicFrameLocks noGrp="1"/>
+          </p:cNvGraphicFramePr>
           <p:nvPr>
             <p:ph idx="1"/>
-          </p:nvPr>
-        </p:nvSpPr>
-        <p:spPr/>
-        <p:txBody>
-          <a:bodyPr/>
-          <a:lstStyle/>
-          <a:p>
-            <a:r>
-              <a:rPr lang="es-ES" dirty="0" smtClean="0"/>
-              <a:t>TABLA COTIZACION</a:t>
-            </a:r>
-            <a:endParaRPr lang="en-US" dirty="0"/>
-          </a:p>
-        </p:txBody>
-      </p:sp>
+            <p:extLst>
+              <p:ext uri="{D42A27DB-BD31-4B8C-83A1-F6EECF244321}">
+                <p14:modId xmlns:p14="http://schemas.microsoft.com/office/powerpoint/2010/main" val="1976593599"/>
+              </p:ext>
+            </p:extLst>
+          </p:nvPr>
+        </p:nvGraphicFramePr>
+        <p:xfrm>
+          <a:off x="3868738" y="863599"/>
+          <a:ext cx="7315200" cy="5213928"/>
+        </p:xfrm>
+        <a:graphic>
+          <a:graphicData uri="http://schemas.openxmlformats.org/drawingml/2006/table">
+            <a:tbl>
+              <a:tblPr firstRow="1" bandRow="1">
+                <a:tableStyleId>{5C22544A-7EE6-4342-B048-85BDC9FD1C3A}</a:tableStyleId>
+              </a:tblPr>
+              <a:tblGrid>
+                <a:gridCol w="2438400">
+                  <a:extLst>
+                    <a:ext uri="{9D8B030D-6E8A-4147-A177-3AD203B41FA5}">
+                      <a16:colId xmlns:a16="http://schemas.microsoft.com/office/drawing/2014/main" val="636062702"/>
+                    </a:ext>
+                  </a:extLst>
+                </a:gridCol>
+                <a:gridCol w="2438400">
+                  <a:extLst>
+                    <a:ext uri="{9D8B030D-6E8A-4147-A177-3AD203B41FA5}">
+                      <a16:colId xmlns:a16="http://schemas.microsoft.com/office/drawing/2014/main" val="437374549"/>
+                    </a:ext>
+                  </a:extLst>
+                </a:gridCol>
+                <a:gridCol w="2438400">
+                  <a:extLst>
+                    <a:ext uri="{9D8B030D-6E8A-4147-A177-3AD203B41FA5}">
+                      <a16:colId xmlns:a16="http://schemas.microsoft.com/office/drawing/2014/main" val="4026182732"/>
+                    </a:ext>
+                  </a:extLst>
+                </a:gridCol>
+              </a:tblGrid>
+              <a:tr h="651741">
+                <a:tc>
+                  <a:txBody>
+                    <a:bodyPr/>
+                    <a:lstStyle/>
+                    <a:p>
+                      <a:r>
+                        <a:rPr lang="es-MX" dirty="0"/>
+                        <a:t>Perfil</a:t>
+                      </a:r>
+                    </a:p>
+                  </a:txBody>
+                  <a:tcPr/>
+                </a:tc>
+                <a:tc>
+                  <a:txBody>
+                    <a:bodyPr/>
+                    <a:lstStyle/>
+                    <a:p>
+                      <a:r>
+                        <a:rPr lang="es-MX" dirty="0"/>
+                        <a:t>Costo</a:t>
+                      </a:r>
+                    </a:p>
+                  </a:txBody>
+                  <a:tcPr/>
+                </a:tc>
+                <a:tc>
+                  <a:txBody>
+                    <a:bodyPr/>
+                    <a:lstStyle/>
+                    <a:p>
+                      <a:r>
+                        <a:rPr lang="es-MX" dirty="0"/>
+                        <a:t>Subtotal</a:t>
+                      </a:r>
+                    </a:p>
+                  </a:txBody>
+                  <a:tcPr/>
+                </a:tc>
+                <a:extLst>
+                  <a:ext uri="{0D108BD9-81ED-4DB2-BD59-A6C34878D82A}">
+                    <a16:rowId xmlns:a16="http://schemas.microsoft.com/office/drawing/2014/main" val="2043728393"/>
+                  </a:ext>
+                </a:extLst>
+              </a:tr>
+              <a:tr h="651741">
+                <a:tc>
+                  <a:txBody>
+                    <a:bodyPr/>
+                    <a:lstStyle/>
+                    <a:p>
+                      <a:r>
+                        <a:rPr lang="es-MX" dirty="0"/>
+                        <a:t>Programador Java.</a:t>
+                      </a:r>
+                    </a:p>
+                  </a:txBody>
+                  <a:tcPr/>
+                </a:tc>
+                <a:tc>
+                  <a:txBody>
+                    <a:bodyPr/>
+                    <a:lstStyle/>
+                    <a:p>
+                      <a:r>
+                        <a:rPr lang="es-MX" dirty="0"/>
+                        <a:t>$30,000 al mes</a:t>
+                      </a:r>
+                    </a:p>
+                  </a:txBody>
+                  <a:tcPr/>
+                </a:tc>
+                <a:tc>
+                  <a:txBody>
+                    <a:bodyPr/>
+                    <a:lstStyle/>
+                    <a:p>
+                      <a:r>
+                        <a:rPr lang="es-MX" dirty="0"/>
+                        <a:t>$360,000</a:t>
+                      </a:r>
+                    </a:p>
+                  </a:txBody>
+                  <a:tcPr/>
+                </a:tc>
+                <a:extLst>
+                  <a:ext uri="{0D108BD9-81ED-4DB2-BD59-A6C34878D82A}">
+                    <a16:rowId xmlns:a16="http://schemas.microsoft.com/office/drawing/2014/main" val="3043368680"/>
+                  </a:ext>
+                </a:extLst>
+              </a:tr>
+              <a:tr h="651741">
+                <a:tc>
+                  <a:txBody>
+                    <a:bodyPr/>
+                    <a:lstStyle/>
+                    <a:p>
+                      <a:r>
+                        <a:rPr lang="es-MX" dirty="0"/>
+                        <a:t>Analista.</a:t>
+                      </a:r>
+                    </a:p>
+                  </a:txBody>
+                  <a:tcPr/>
+                </a:tc>
+                <a:tc>
+                  <a:txBody>
+                    <a:bodyPr/>
+                    <a:lstStyle/>
+                    <a:p>
+                      <a:r>
+                        <a:rPr lang="es-MX" dirty="0"/>
+                        <a:t>$40,000 al mes</a:t>
+                      </a:r>
+                    </a:p>
+                  </a:txBody>
+                  <a:tcPr/>
+                </a:tc>
+                <a:tc>
+                  <a:txBody>
+                    <a:bodyPr/>
+                    <a:lstStyle/>
+                    <a:p>
+                      <a:r>
+                        <a:rPr lang="es-MX" dirty="0"/>
+                        <a:t>$480,000</a:t>
+                      </a:r>
+                    </a:p>
+                  </a:txBody>
+                  <a:tcPr/>
+                </a:tc>
+                <a:extLst>
+                  <a:ext uri="{0D108BD9-81ED-4DB2-BD59-A6C34878D82A}">
+                    <a16:rowId xmlns:a16="http://schemas.microsoft.com/office/drawing/2014/main" val="3556370394"/>
+                  </a:ext>
+                </a:extLst>
+              </a:tr>
+              <a:tr h="651741">
+                <a:tc>
+                  <a:txBody>
+                    <a:bodyPr/>
+                    <a:lstStyle/>
+                    <a:p>
+                      <a:r>
+                        <a:rPr lang="es-MX" dirty="0"/>
+                        <a:t>Tester.</a:t>
+                      </a:r>
+                    </a:p>
+                  </a:txBody>
+                  <a:tcPr/>
+                </a:tc>
+                <a:tc>
+                  <a:txBody>
+                    <a:bodyPr/>
+                    <a:lstStyle/>
+                    <a:p>
+                      <a:r>
+                        <a:rPr lang="es-MX" dirty="0"/>
+                        <a:t>$30,000 al mes</a:t>
+                      </a:r>
+                    </a:p>
+                  </a:txBody>
+                  <a:tcPr/>
+                </a:tc>
+                <a:tc>
+                  <a:txBody>
+                    <a:bodyPr/>
+                    <a:lstStyle/>
+                    <a:p>
+                      <a:r>
+                        <a:rPr lang="es-MX" dirty="0"/>
+                        <a:t>$360,000</a:t>
+                      </a:r>
+                    </a:p>
+                  </a:txBody>
+                  <a:tcPr/>
+                </a:tc>
+                <a:extLst>
+                  <a:ext uri="{0D108BD9-81ED-4DB2-BD59-A6C34878D82A}">
+                    <a16:rowId xmlns:a16="http://schemas.microsoft.com/office/drawing/2014/main" val="3876011167"/>
+                  </a:ext>
+                </a:extLst>
+              </a:tr>
+              <a:tr h="651741">
+                <a:tc>
+                  <a:txBody>
+                    <a:bodyPr/>
+                    <a:lstStyle/>
+                    <a:p>
+                      <a:r>
+                        <a:rPr lang="es-MX" dirty="0"/>
+                        <a:t>T. electrónica.</a:t>
+                      </a:r>
+                    </a:p>
+                  </a:txBody>
+                  <a:tcPr/>
+                </a:tc>
+                <a:tc>
+                  <a:txBody>
+                    <a:bodyPr/>
+                    <a:lstStyle/>
+                    <a:p>
+                      <a:r>
+                        <a:rPr lang="es-MX" dirty="0"/>
+                        <a:t>$15,000 al mes</a:t>
+                      </a:r>
+                    </a:p>
+                  </a:txBody>
+                  <a:tcPr/>
+                </a:tc>
+                <a:tc>
+                  <a:txBody>
+                    <a:bodyPr/>
+                    <a:lstStyle/>
+                    <a:p>
+                      <a:r>
+                        <a:rPr lang="es-MX" dirty="0"/>
+                        <a:t>$180,000</a:t>
+                      </a:r>
+                    </a:p>
+                  </a:txBody>
+                  <a:tcPr/>
+                </a:tc>
+                <a:extLst>
+                  <a:ext uri="{0D108BD9-81ED-4DB2-BD59-A6C34878D82A}">
+                    <a16:rowId xmlns:a16="http://schemas.microsoft.com/office/drawing/2014/main" val="1557389383"/>
+                  </a:ext>
+                </a:extLst>
+              </a:tr>
+              <a:tr h="651741">
+                <a:tc>
+                  <a:txBody>
+                    <a:bodyPr/>
+                    <a:lstStyle/>
+                    <a:p>
+                      <a:r>
+                        <a:rPr lang="es-MX" dirty="0"/>
+                        <a:t>Administrador de BD.</a:t>
+                      </a:r>
+                    </a:p>
+                  </a:txBody>
+                  <a:tcPr/>
+                </a:tc>
+                <a:tc>
+                  <a:txBody>
+                    <a:bodyPr/>
+                    <a:lstStyle/>
+                    <a:p>
+                      <a:r>
+                        <a:rPr lang="es-MX" dirty="0"/>
+                        <a:t>$25, 000 al mes</a:t>
+                      </a:r>
+                    </a:p>
+                  </a:txBody>
+                  <a:tcPr/>
+                </a:tc>
+                <a:tc>
+                  <a:txBody>
+                    <a:bodyPr/>
+                    <a:lstStyle/>
+                    <a:p>
+                      <a:r>
+                        <a:rPr lang="es-MX" dirty="0"/>
+                        <a:t>$300,000</a:t>
+                      </a:r>
+                    </a:p>
+                  </a:txBody>
+                  <a:tcPr/>
+                </a:tc>
+                <a:extLst>
+                  <a:ext uri="{0D108BD9-81ED-4DB2-BD59-A6C34878D82A}">
+                    <a16:rowId xmlns:a16="http://schemas.microsoft.com/office/drawing/2014/main" val="2214749031"/>
+                  </a:ext>
+                </a:extLst>
+              </a:tr>
+              <a:tr h="651741">
+                <a:tc>
+                  <a:txBody>
+                    <a:bodyPr/>
+                    <a:lstStyle/>
+                    <a:p>
+                      <a:r>
+                        <a:rPr lang="es-MX" dirty="0"/>
+                        <a:t>Dispensador de A.</a:t>
+                      </a:r>
+                    </a:p>
+                  </a:txBody>
+                  <a:tcPr/>
+                </a:tc>
+                <a:tc>
+                  <a:txBody>
+                    <a:bodyPr/>
+                    <a:lstStyle/>
+                    <a:p>
+                      <a:pPr marL="0" marR="0" lvl="0" indent="0" algn="l" defTabSz="914400" rtl="0" eaLnBrk="1" fontAlgn="auto" latinLnBrk="0" hangingPunct="1">
+                        <a:lnSpc>
+                          <a:spcPct val="100000"/>
+                        </a:lnSpc>
+                        <a:spcBef>
+                          <a:spcPts val="0"/>
+                        </a:spcBef>
+                        <a:spcAft>
+                          <a:spcPts val="0"/>
+                        </a:spcAft>
+                        <a:buClrTx/>
+                        <a:buSzTx/>
+                        <a:buFontTx/>
+                        <a:buNone/>
+                        <a:tabLst/>
+                        <a:defRPr/>
+                      </a:pPr>
+                      <a:r>
+                        <a:rPr lang="es-MX" sz="1800" dirty="0">
+                          <a:effectLst/>
+                        </a:rPr>
+                        <a:t>$876.00</a:t>
+                      </a:r>
+                      <a:endParaRPr lang="es-MX" sz="1800" dirty="0">
+                        <a:effectLst/>
+                        <a:latin typeface="Century Gothic" panose="020B0502020202020204" pitchFamily="34" charset="0"/>
+                        <a:ea typeface="STKaiti"/>
+                        <a:cs typeface="Tahoma" panose="020B0604030504040204" pitchFamily="34" charset="0"/>
+                      </a:endParaRPr>
+                    </a:p>
+                  </a:txBody>
+                  <a:tcPr/>
+                </a:tc>
+                <a:tc>
+                  <a:txBody>
+                    <a:bodyPr/>
+                    <a:lstStyle/>
+                    <a:p>
+                      <a:pPr marL="0" marR="0" lvl="0" indent="0" algn="l" defTabSz="914400" rtl="0" eaLnBrk="1" fontAlgn="auto" latinLnBrk="0" hangingPunct="1">
+                        <a:lnSpc>
+                          <a:spcPct val="100000"/>
+                        </a:lnSpc>
+                        <a:spcBef>
+                          <a:spcPts val="0"/>
+                        </a:spcBef>
+                        <a:spcAft>
+                          <a:spcPts val="0"/>
+                        </a:spcAft>
+                        <a:buClrTx/>
+                        <a:buSzTx/>
+                        <a:buFontTx/>
+                        <a:buNone/>
+                        <a:tabLst/>
+                        <a:defRPr/>
+                      </a:pPr>
+                      <a:r>
+                        <a:rPr lang="es-MX" sz="1800" dirty="0">
+                          <a:effectLst/>
+                        </a:rPr>
+                        <a:t>$876.00</a:t>
+                      </a:r>
+                      <a:endParaRPr lang="es-MX" sz="1800" dirty="0">
+                        <a:effectLst/>
+                        <a:latin typeface="Century Gothic" panose="020B0502020202020204" pitchFamily="34" charset="0"/>
+                        <a:ea typeface="STKaiti"/>
+                        <a:cs typeface="Tahoma" panose="020B0604030504040204" pitchFamily="34" charset="0"/>
+                      </a:endParaRPr>
+                    </a:p>
+                  </a:txBody>
+                  <a:tcPr/>
+                </a:tc>
+                <a:extLst>
+                  <a:ext uri="{0D108BD9-81ED-4DB2-BD59-A6C34878D82A}">
+                    <a16:rowId xmlns:a16="http://schemas.microsoft.com/office/drawing/2014/main" val="3745731554"/>
+                  </a:ext>
+                </a:extLst>
+              </a:tr>
+              <a:tr h="651741">
+                <a:tc>
+                  <a:txBody>
+                    <a:bodyPr/>
+                    <a:lstStyle/>
+                    <a:p>
+                      <a:endParaRPr lang="es-MX" dirty="0"/>
+                    </a:p>
+                  </a:txBody>
+                  <a:tcPr/>
+                </a:tc>
+                <a:tc>
+                  <a:txBody>
+                    <a:bodyPr/>
+                    <a:lstStyle/>
+                    <a:p>
+                      <a:r>
+                        <a:rPr lang="es-MX" dirty="0"/>
+                        <a:t>Total:</a:t>
+                      </a:r>
+                    </a:p>
+                  </a:txBody>
+                  <a:tcPr/>
+                </a:tc>
+                <a:tc>
+                  <a:txBody>
+                    <a:bodyPr/>
+                    <a:lstStyle/>
+                    <a:p>
+                      <a:pPr marL="0" marR="0" lvl="0" indent="0" algn="l" defTabSz="914400" rtl="0" eaLnBrk="1" fontAlgn="auto" latinLnBrk="0" hangingPunct="1">
+                        <a:lnSpc>
+                          <a:spcPct val="100000"/>
+                        </a:lnSpc>
+                        <a:spcBef>
+                          <a:spcPts val="0"/>
+                        </a:spcBef>
+                        <a:spcAft>
+                          <a:spcPts val="0"/>
+                        </a:spcAft>
+                        <a:buClrTx/>
+                        <a:buSzTx/>
+                        <a:buFontTx/>
+                        <a:buNone/>
+                        <a:tabLst/>
+                        <a:defRPr/>
+                      </a:pPr>
+                      <a:r>
+                        <a:rPr lang="es-MX" dirty="0"/>
+                        <a:t>$1,680,876 pesos M.X.</a:t>
+                      </a:r>
+                    </a:p>
+                  </a:txBody>
+                  <a:tcPr/>
+                </a:tc>
+                <a:extLst>
+                  <a:ext uri="{0D108BD9-81ED-4DB2-BD59-A6C34878D82A}">
+                    <a16:rowId xmlns:a16="http://schemas.microsoft.com/office/drawing/2014/main" val="110114548"/>
+                  </a:ext>
+                </a:extLst>
+              </a:tr>
+            </a:tbl>
+          </a:graphicData>
+        </a:graphic>
+      </p:graphicFrame>
     </p:spTree>
     <p:extLst>
       <p:ext uri="{BB962C8B-B14F-4D97-AF65-F5344CB8AC3E}">
         <p14:creationId xmlns:p14="http://schemas.microsoft.com/office/powerpoint/2010/main" val="2166779284"/>
+      </p:ext>
+    </p:extLst>
+  </p:cSld>
+  <p:clrMapOvr>
+    <a:masterClrMapping/>
+  </p:clrMapOvr>
+</p:sld>
+</file>
+
+<file path=ppt/slides/slide8.xml><?xml version="1.0" encoding="utf-8"?>
+<p:sld xmlns:a="http://schemas.openxmlformats.org/drawingml/2006/main" xmlns:r="http://schemas.openxmlformats.org/officeDocument/2006/relationships" xmlns:p="http://schemas.openxmlformats.org/presentationml/2006/main">
+  <p:cSld>
+    <p:spTree>
+      <p:nvGrpSpPr>
+        <p:cNvPr id="1" name=""/>
+        <p:cNvGrpSpPr/>
+        <p:nvPr/>
+      </p:nvGrpSpPr>
+      <p:grpSpPr>
+        <a:xfrm>
+          <a:off x="0" y="0"/>
+          <a:ext cx="0" cy="0"/>
+          <a:chOff x="0" y="0"/>
+          <a:chExt cx="0" cy="0"/>
+        </a:xfrm>
+      </p:grpSpPr>
+      <p:sp>
+        <p:nvSpPr>
+          <p:cNvPr id="2" name="Título 1"/>
+          <p:cNvSpPr>
+            <a:spLocks noGrp="1"/>
+          </p:cNvSpPr>
+          <p:nvPr>
+            <p:ph type="title"/>
+          </p:nvPr>
+        </p:nvSpPr>
+        <p:spPr/>
+        <p:txBody>
+          <a:bodyPr/>
+          <a:lstStyle/>
+          <a:p>
+            <a:pPr algn="ctr"/>
+            <a:br>
+              <a:rPr lang="es-MX" dirty="0"/>
+            </a:br>
+            <a:r>
+              <a:rPr lang="es-MX" sz="2400" dirty="0"/>
+              <a:t>(</a:t>
+            </a:r>
+            <a:r>
+              <a:rPr lang="es-MX" sz="2400" dirty="0" err="1"/>
+              <a:t>Storyboards</a:t>
+            </a:r>
+            <a:r>
+              <a:rPr lang="es-MX" sz="2400" dirty="0"/>
+              <a:t> de la aplicación de escritorio.) </a:t>
+            </a:r>
+          </a:p>
+        </p:txBody>
+      </p:sp>
+      <p:pic>
+        <p:nvPicPr>
+          <p:cNvPr id="4" name="Imagen 3" descr="LogoPetSitting"/>
+          <p:cNvPicPr/>
+          <p:nvPr/>
+        </p:nvPicPr>
+        <p:blipFill>
+          <a:blip r:embed="rId2" cstate="print">
+            <a:extLst>
+              <a:ext uri="{28A0092B-C50C-407E-A947-70E740481C1C}">
+                <a14:useLocalDpi xmlns:a14="http://schemas.microsoft.com/office/drawing/2010/main" val="0"/>
+              </a:ext>
+            </a:extLst>
+          </a:blip>
+          <a:srcRect/>
+          <a:stretch>
+            <a:fillRect/>
+          </a:stretch>
+        </p:blipFill>
+        <p:spPr bwMode="auto">
+          <a:xfrm>
+            <a:off x="10387755" y="284353"/>
+            <a:ext cx="1148080" cy="706755"/>
+          </a:xfrm>
+          <a:prstGeom prst="rect">
+            <a:avLst/>
+          </a:prstGeom>
+          <a:noFill/>
+          <a:ln>
+            <a:noFill/>
+          </a:ln>
+        </p:spPr>
+      </p:pic>
+      <p:pic>
+        <p:nvPicPr>
+          <p:cNvPr id="7" name="Marcador de contenido 6"/>
+          <p:cNvPicPr>
+            <a:picLocks noGrp="1" noChangeAspect="1"/>
+          </p:cNvPicPr>
+          <p:nvPr>
+            <p:ph idx="1"/>
+          </p:nvPr>
+        </p:nvPicPr>
+        <p:blipFill>
+          <a:blip r:embed="rId3"/>
+          <a:stretch>
+            <a:fillRect/>
+          </a:stretch>
+        </p:blipFill>
+        <p:spPr>
+          <a:xfrm>
+            <a:off x="4747687" y="887411"/>
+            <a:ext cx="5439301" cy="4837609"/>
+          </a:xfrm>
+          <a:prstGeom prst="rect">
+            <a:avLst/>
+          </a:prstGeom>
+        </p:spPr>
+      </p:pic>
+    </p:spTree>
+    <p:extLst>
+      <p:ext uri="{BB962C8B-B14F-4D97-AF65-F5344CB8AC3E}">
+        <p14:creationId xmlns:p14="http://schemas.microsoft.com/office/powerpoint/2010/main" val="4130889384"/>
+      </p:ext>
+    </p:extLst>
+  </p:cSld>
+  <p:clrMapOvr>
+    <a:masterClrMapping/>
+  </p:clrMapOvr>
+</p:sld>
+</file>
+
+<file path=ppt/slides/slide9.xml><?xml version="1.0" encoding="utf-8"?>
+<p:sld xmlns:a="http://schemas.openxmlformats.org/drawingml/2006/main" xmlns:r="http://schemas.openxmlformats.org/officeDocument/2006/relationships" xmlns:p="http://schemas.openxmlformats.org/presentationml/2006/main">
+  <p:cSld>
+    <p:spTree>
+      <p:nvGrpSpPr>
+        <p:cNvPr id="1" name=""/>
+        <p:cNvGrpSpPr/>
+        <p:nvPr/>
+      </p:nvGrpSpPr>
+      <p:grpSpPr>
+        <a:xfrm>
+          <a:off x="0" y="0"/>
+          <a:ext cx="0" cy="0"/>
+          <a:chOff x="0" y="0"/>
+          <a:chExt cx="0" cy="0"/>
+        </a:xfrm>
+      </p:grpSpPr>
+      <p:sp>
+        <p:nvSpPr>
+          <p:cNvPr id="2" name="Título 1"/>
+          <p:cNvSpPr>
+            <a:spLocks noGrp="1"/>
+          </p:cNvSpPr>
+          <p:nvPr>
+            <p:ph type="title"/>
+          </p:nvPr>
+        </p:nvSpPr>
+        <p:spPr/>
+        <p:txBody>
+          <a:bodyPr/>
+          <a:lstStyle/>
+          <a:p>
+            <a:pPr algn="ctr"/>
+            <a:br>
+              <a:rPr lang="es-MX" dirty="0"/>
+            </a:br>
+            <a:r>
+              <a:rPr lang="es-MX" sz="2400" dirty="0"/>
+              <a:t>(</a:t>
+            </a:r>
+            <a:r>
+              <a:rPr lang="es-MX" sz="2400" dirty="0" err="1"/>
+              <a:t>Storyboards</a:t>
+            </a:r>
+            <a:r>
+              <a:rPr lang="es-MX" sz="2400" dirty="0"/>
+              <a:t> de la aplicación de escritorio.) </a:t>
+            </a:r>
+          </a:p>
+        </p:txBody>
+      </p:sp>
+      <p:pic>
+        <p:nvPicPr>
+          <p:cNvPr id="4" name="Imagen 3" descr="LogoPetSitting"/>
+          <p:cNvPicPr/>
+          <p:nvPr/>
+        </p:nvPicPr>
+        <p:blipFill>
+          <a:blip r:embed="rId2" cstate="print">
+            <a:extLst>
+              <a:ext uri="{28A0092B-C50C-407E-A947-70E740481C1C}">
+                <a14:useLocalDpi xmlns:a14="http://schemas.microsoft.com/office/drawing/2010/main" val="0"/>
+              </a:ext>
+            </a:extLst>
+          </a:blip>
+          <a:srcRect/>
+          <a:stretch>
+            <a:fillRect/>
+          </a:stretch>
+        </p:blipFill>
+        <p:spPr bwMode="auto">
+          <a:xfrm>
+            <a:off x="10387755" y="284353"/>
+            <a:ext cx="1148080" cy="706755"/>
+          </a:xfrm>
+          <a:prstGeom prst="rect">
+            <a:avLst/>
+          </a:prstGeom>
+          <a:noFill/>
+          <a:ln>
+            <a:noFill/>
+          </a:ln>
+        </p:spPr>
+      </p:pic>
+      <p:pic>
+        <p:nvPicPr>
+          <p:cNvPr id="5" name="Marcador de contenido 4"/>
+          <p:cNvPicPr>
+            <a:picLocks noGrp="1"/>
+          </p:cNvPicPr>
+          <p:nvPr>
+            <p:ph idx="1"/>
+          </p:nvPr>
+        </p:nvPicPr>
+        <p:blipFill>
+          <a:blip r:embed="rId3">
+            <a:extLst>
+              <a:ext uri="{28A0092B-C50C-407E-A947-70E740481C1C}">
+                <a14:useLocalDpi xmlns:a14="http://schemas.microsoft.com/office/drawing/2010/main" val="0"/>
+              </a:ext>
+            </a:extLst>
+          </a:blip>
+          <a:stretch>
+            <a:fillRect/>
+          </a:stretch>
+        </p:blipFill>
+        <p:spPr>
+          <a:xfrm>
+            <a:off x="4965700" y="991108"/>
+            <a:ext cx="4979988" cy="4733912"/>
+          </a:xfrm>
+          <a:prstGeom prst="rect">
+            <a:avLst/>
+          </a:prstGeom>
+        </p:spPr>
+      </p:pic>
+    </p:spTree>
+    <p:extLst>
+      <p:ext uri="{BB962C8B-B14F-4D97-AF65-F5344CB8AC3E}">
+        <p14:creationId xmlns:p14="http://schemas.microsoft.com/office/powerpoint/2010/main" val="417094480"/>
       </p:ext>
     </p:extLst>
   </p:cSld>

--- a/Documents/Documentacion/PET SITTING_MariaLuisa.pptx
+++ b/Documents/Documentacion/PET SITTING_MariaLuisa.pptx
@@ -12,9 +12,10 @@
     <p:sldId id="267" r:id="rId6"/>
     <p:sldId id="265" r:id="rId7"/>
     <p:sldId id="268" r:id="rId8"/>
-    <p:sldId id="261" r:id="rId9"/>
-    <p:sldId id="259" r:id="rId10"/>
-    <p:sldId id="260" r:id="rId11"/>
+    <p:sldId id="269" r:id="rId9"/>
+    <p:sldId id="261" r:id="rId10"/>
+    <p:sldId id="259" r:id="rId11"/>
+    <p:sldId id="260" r:id="rId12"/>
   </p:sldIdLst>
   <p:sldSz cx="12192000" cy="6858000"/>
   <p:notesSz cx="6858000" cy="9144000"/>
@@ -3522,6 +3523,143 @@
           <a:lstStyle/>
           <a:p>
             <a:pPr algn="ctr"/>
+            <a:r>
+              <a:rPr lang="es-MX" dirty="0"/>
+              <a:t/>
+            </a:r>
+            <a:br>
+              <a:rPr lang="es-MX" dirty="0"/>
+            </a:br>
+            <a:r>
+              <a:rPr lang="es-MX" sz="2400" dirty="0"/>
+              <a:t>(</a:t>
+            </a:r>
+            <a:r>
+              <a:rPr lang="es-MX" sz="2400" dirty="0" err="1"/>
+              <a:t>Storyboards</a:t>
+            </a:r>
+            <a:r>
+              <a:rPr lang="es-MX" sz="2400" dirty="0"/>
+              <a:t> de la aplicación de escritorio.) </a:t>
+            </a:r>
+          </a:p>
+        </p:txBody>
+      </p:sp>
+      <p:pic>
+        <p:nvPicPr>
+          <p:cNvPr id="4" name="Imagen 3" descr="LogoPetSitting"/>
+          <p:cNvPicPr/>
+          <p:nvPr/>
+        </p:nvPicPr>
+        <p:blipFill>
+          <a:blip r:embed="rId2" cstate="print">
+            <a:extLst>
+              <a:ext uri="{28A0092B-C50C-407E-A947-70E740481C1C}">
+                <a14:useLocalDpi xmlns:a14="http://schemas.microsoft.com/office/drawing/2010/main" val="0"/>
+              </a:ext>
+            </a:extLst>
+          </a:blip>
+          <a:srcRect/>
+          <a:stretch>
+            <a:fillRect/>
+          </a:stretch>
+        </p:blipFill>
+        <p:spPr bwMode="auto">
+          <a:xfrm>
+            <a:off x="10387755" y="284353"/>
+            <a:ext cx="1148080" cy="706755"/>
+          </a:xfrm>
+          <a:prstGeom prst="rect">
+            <a:avLst/>
+          </a:prstGeom>
+          <a:noFill/>
+          <a:ln>
+            <a:noFill/>
+          </a:ln>
+        </p:spPr>
+      </p:pic>
+      <p:pic>
+        <p:nvPicPr>
+          <p:cNvPr id="5" name="Marcador de contenido 4"/>
+          <p:cNvPicPr>
+            <a:picLocks noGrp="1"/>
+          </p:cNvPicPr>
+          <p:nvPr>
+            <p:ph idx="1"/>
+          </p:nvPr>
+        </p:nvPicPr>
+        <p:blipFill>
+          <a:blip r:embed="rId3">
+            <a:extLst>
+              <a:ext uri="{28A0092B-C50C-407E-A947-70E740481C1C}">
+                <a14:useLocalDpi xmlns:a14="http://schemas.microsoft.com/office/drawing/2010/main" val="0"/>
+              </a:ext>
+            </a:extLst>
+          </a:blip>
+          <a:stretch>
+            <a:fillRect/>
+          </a:stretch>
+        </p:blipFill>
+        <p:spPr>
+          <a:xfrm>
+            <a:off x="4965700" y="991108"/>
+            <a:ext cx="4979988" cy="4733912"/>
+          </a:xfrm>
+          <a:prstGeom prst="rect">
+            <a:avLst/>
+          </a:prstGeom>
+        </p:spPr>
+      </p:pic>
+    </p:spTree>
+    <p:extLst>
+      <p:ext uri="{BB962C8B-B14F-4D97-AF65-F5344CB8AC3E}">
+        <p14:creationId xmlns:p14="http://schemas.microsoft.com/office/powerpoint/2010/main" val="417094480"/>
+      </p:ext>
+    </p:extLst>
+  </p:cSld>
+  <p:clrMapOvr>
+    <a:masterClrMapping/>
+  </p:clrMapOvr>
+</p:sld>
+</file>
+
+<file path=ppt/slides/slide11.xml><?xml version="1.0" encoding="utf-8"?>
+<p:sld xmlns:a="http://schemas.openxmlformats.org/drawingml/2006/main" xmlns:r="http://schemas.openxmlformats.org/officeDocument/2006/relationships" xmlns:p="http://schemas.openxmlformats.org/presentationml/2006/main">
+  <p:cSld>
+    <p:spTree>
+      <p:nvGrpSpPr>
+        <p:cNvPr id="1" name=""/>
+        <p:cNvGrpSpPr/>
+        <p:nvPr/>
+      </p:nvGrpSpPr>
+      <p:grpSpPr>
+        <a:xfrm>
+          <a:off x="0" y="0"/>
+          <a:ext cx="0" cy="0"/>
+          <a:chOff x="0" y="0"/>
+          <a:chExt cx="0" cy="0"/>
+        </a:xfrm>
+      </p:grpSpPr>
+      <p:sp>
+        <p:nvSpPr>
+          <p:cNvPr id="2" name="Título 1"/>
+          <p:cNvSpPr>
+            <a:spLocks noGrp="1"/>
+          </p:cNvSpPr>
+          <p:nvPr>
+            <p:ph type="title"/>
+          </p:nvPr>
+        </p:nvSpPr>
+        <p:spPr/>
+        <p:txBody>
+          <a:bodyPr/>
+          <a:lstStyle/>
+          <a:p>
+            <a:pPr algn="ctr"/>
+            <a:r>
+              <a:rPr lang="es-MX" dirty="0"/>
+              <a:t/>
+            </a:r>
             <a:br>
               <a:rPr lang="es-MX" dirty="0"/>
             </a:br>
@@ -4395,6 +4533,39 @@
           </a:p>
         </p:txBody>
       </p:sp>
+      <p:pic>
+        <p:nvPicPr>
+          <p:cNvPr id="4" name="Imagen 3" descr="LogoPetSitting"/>
+          <p:cNvPicPr/>
+          <p:nvPr/>
+        </p:nvPicPr>
+        <p:blipFill>
+          <a:blip r:embed="rId2" cstate="print">
+            <a:extLst>
+              <a:ext uri="{28A0092B-C50C-407E-A947-70E740481C1C}">
+                <a14:useLocalDpi xmlns:a14="http://schemas.microsoft.com/office/drawing/2010/main" val="0"/>
+              </a:ext>
+            </a:extLst>
+          </a:blip>
+          <a:srcRect/>
+          <a:stretch>
+            <a:fillRect/>
+          </a:stretch>
+        </p:blipFill>
+        <p:spPr bwMode="auto">
+          <a:xfrm>
+            <a:off x="10387755" y="284353"/>
+            <a:ext cx="1148080" cy="706755"/>
+          </a:xfrm>
+          <a:prstGeom prst="rect">
+            <a:avLst/>
+          </a:prstGeom>
+          <a:noFill/>
+          <a:ln>
+            <a:noFill/>
+          </a:ln>
+        </p:spPr>
+      </p:pic>
     </p:spTree>
     <p:extLst>
       <p:ext uri="{BB962C8B-B14F-4D97-AF65-F5344CB8AC3E}">
@@ -4442,9 +4613,10 @@
           <a:p>
             <a:pPr algn="ctr"/>
             <a:r>
-              <a:rPr lang="es-MX" dirty="0"/>
-              <a:t>Costos</a:t>
-            </a:r>
+              <a:rPr lang="es-MX" dirty="0" smtClean="0"/>
+              <a:t>Costos Fabricación</a:t>
+            </a:r>
+            <a:endParaRPr lang="es-MX" dirty="0"/>
           </a:p>
         </p:txBody>
       </p:sp>
@@ -4477,21 +4649,21 @@
                 <a:gridCol w="1759943">
                   <a:extLst>
                     <a:ext uri="{9D8B030D-6E8A-4147-A177-3AD203B41FA5}">
-                      <a16:colId xmlns:a16="http://schemas.microsoft.com/office/drawing/2014/main" val="20000"/>
+                      <a16:colId xmlns:a16="http://schemas.microsoft.com/office/drawing/2014/main" xmlns="" val="20000"/>
                     </a:ext>
                   </a:extLst>
                 </a:gridCol>
                 <a:gridCol w="3724360">
                   <a:extLst>
                     <a:ext uri="{9D8B030D-6E8A-4147-A177-3AD203B41FA5}">
-                      <a16:colId xmlns:a16="http://schemas.microsoft.com/office/drawing/2014/main" val="20001"/>
+                      <a16:colId xmlns:a16="http://schemas.microsoft.com/office/drawing/2014/main" xmlns="" val="20001"/>
                     </a:ext>
                   </a:extLst>
                 </a:gridCol>
                 <a:gridCol w="1427672">
                   <a:extLst>
                     <a:ext uri="{9D8B030D-6E8A-4147-A177-3AD203B41FA5}">
-                      <a16:colId xmlns:a16="http://schemas.microsoft.com/office/drawing/2014/main" val="20002"/>
+                      <a16:colId xmlns:a16="http://schemas.microsoft.com/office/drawing/2014/main" xmlns="" val="20002"/>
                     </a:ext>
                   </a:extLst>
                 </a:gridCol>
@@ -4586,7 +4758,7 @@
                 </a:tc>
                 <a:extLst>
                   <a:ext uri="{0D108BD9-81ED-4DB2-BD59-A6C34878D82A}">
-                    <a16:rowId xmlns:a16="http://schemas.microsoft.com/office/drawing/2014/main" val="10000"/>
+                    <a16:rowId xmlns:a16="http://schemas.microsoft.com/office/drawing/2014/main" xmlns="" val="10000"/>
                   </a:ext>
                 </a:extLst>
               </a:tr>
@@ -4696,7 +4868,7 @@
                 </a:tc>
                 <a:extLst>
                   <a:ext uri="{0D108BD9-81ED-4DB2-BD59-A6C34878D82A}">
-                    <a16:rowId xmlns:a16="http://schemas.microsoft.com/office/drawing/2014/main" val="10001"/>
+                    <a16:rowId xmlns:a16="http://schemas.microsoft.com/office/drawing/2014/main" xmlns="" val="10001"/>
                   </a:ext>
                 </a:extLst>
               </a:tr>
@@ -4744,7 +4916,7 @@
                         </a:spcAft>
                       </a:pPr>
                       <a:r>
-                        <a:rPr lang="es-MX" sz="1200">
+                        <a:rPr lang="es-MX" sz="1200" dirty="0">
                           <a:effectLst/>
                         </a:rPr>
                         <a:t> </a:t>
@@ -4760,12 +4932,60 @@
                         </a:spcAft>
                       </a:pPr>
                       <a:r>
-                        <a:rPr lang="es-MX" sz="1200">
+                        <a:rPr lang="es-MX" sz="1200" dirty="0" err="1">
                           <a:effectLst/>
                         </a:rPr>
-                        <a:t>Silicon, acrilico blanco, pintura vinci, acrilico azul, cutter, esmalte en aerosol.</a:t>
+                        <a:t>Silicon</a:t>
                       </a:r>
-                      <a:endParaRPr lang="es-MX" sz="1200">
+                      <a:r>
+                        <a:rPr lang="es-MX" sz="1200" dirty="0">
+                          <a:effectLst/>
+                        </a:rPr>
+                        <a:t>, </a:t>
+                      </a:r>
+                      <a:r>
+                        <a:rPr lang="es-MX" sz="1200" dirty="0" err="1">
+                          <a:effectLst/>
+                        </a:rPr>
+                        <a:t>acrilico</a:t>
+                      </a:r>
+                      <a:r>
+                        <a:rPr lang="es-MX" sz="1200" dirty="0">
+                          <a:effectLst/>
+                        </a:rPr>
+                        <a:t> blanco, pintura vinci, </a:t>
+                      </a:r>
+                      <a:r>
+                        <a:rPr lang="es-MX" sz="1200" dirty="0" err="1">
+                          <a:effectLst/>
+                        </a:rPr>
+                        <a:t>acrilico</a:t>
+                      </a:r>
+                      <a:r>
+                        <a:rPr lang="es-MX" sz="1200" dirty="0">
+                          <a:effectLst/>
+                        </a:rPr>
+                        <a:t> azul, </a:t>
+                      </a:r>
+                      <a:r>
+                        <a:rPr lang="es-MX" sz="1200" dirty="0" err="1">
+                          <a:effectLst/>
+                        </a:rPr>
+                        <a:t>cutter</a:t>
+                      </a:r>
+                      <a:r>
+                        <a:rPr lang="es-MX" sz="1200" dirty="0">
+                          <a:effectLst/>
+                        </a:rPr>
+                        <a:t>, esmalte en </a:t>
+                      </a:r>
+                      <a:r>
+                        <a:rPr lang="es-MX" sz="1200" dirty="0" smtClean="0">
+                          <a:effectLst/>
+                        </a:rPr>
+                        <a:t>aerosol.</a:t>
+                      </a:r>
+                      <a:endParaRPr lang="es-MX" sz="1200" dirty="0">
                         <a:effectLst/>
                         <a:latin typeface="Century Gothic" panose="020B0502020202020204" pitchFamily="34" charset="0"/>
                         <a:ea typeface="STKaiti"/>
@@ -4806,7 +5026,7 @@
                 </a:tc>
                 <a:extLst>
                   <a:ext uri="{0D108BD9-81ED-4DB2-BD59-A6C34878D82A}">
-                    <a16:rowId xmlns:a16="http://schemas.microsoft.com/office/drawing/2014/main" val="10002"/>
+                    <a16:rowId xmlns:a16="http://schemas.microsoft.com/office/drawing/2014/main" xmlns="" val="10002"/>
                   </a:ext>
                 </a:extLst>
               </a:tr>
@@ -4916,7 +5136,7 @@
                 </a:tc>
                 <a:extLst>
                   <a:ext uri="{0D108BD9-81ED-4DB2-BD59-A6C34878D82A}">
-                    <a16:rowId xmlns:a16="http://schemas.microsoft.com/office/drawing/2014/main" val="10003"/>
+                    <a16:rowId xmlns:a16="http://schemas.microsoft.com/office/drawing/2014/main" xmlns="" val="10003"/>
                   </a:ext>
                 </a:extLst>
               </a:tr>
@@ -5010,7 +5230,7 @@
                 </a:tc>
                 <a:extLst>
                   <a:ext uri="{0D108BD9-81ED-4DB2-BD59-A6C34878D82A}">
-                    <a16:rowId xmlns:a16="http://schemas.microsoft.com/office/drawing/2014/main" val="10004"/>
+                    <a16:rowId xmlns:a16="http://schemas.microsoft.com/office/drawing/2014/main" xmlns="" val="10004"/>
                   </a:ext>
                 </a:extLst>
               </a:tr>
@@ -5096,9 +5316,10 @@
           <a:bodyPr/>
           <a:lstStyle/>
           <a:p>
-            <a:r>
-              <a:rPr lang="es-ES" dirty="0"/>
-              <a:t>Cotización real</a:t>
+            <a:pPr algn="ctr"/>
+            <a:r>
+              <a:rPr lang="es-ES" dirty="0" smtClean="0"/>
+              <a:t>Costos Personal</a:t>
             </a:r>
             <a:endParaRPr lang="en-US" dirty="0"/>
           </a:p>
@@ -5109,7 +5330,7 @@
           <p:cNvPr id="4" name="Marcador de contenido 3">
             <a:extLst>
               <a:ext uri="{FF2B5EF4-FFF2-40B4-BE49-F238E27FC236}">
-                <a16:creationId xmlns:a16="http://schemas.microsoft.com/office/drawing/2014/main" id="{D5708AB0-2C90-4675-BA78-44AC8C1879F0}"/>
+                <a16:creationId xmlns:a16="http://schemas.microsoft.com/office/drawing/2014/main" xmlns="" id="{D5708AB0-2C90-4675-BA78-44AC8C1879F0}"/>
               </a:ext>
             </a:extLst>
           </p:cNvPr>
@@ -5120,14 +5341,14 @@
             <p:ph idx="1"/>
             <p:extLst>
               <p:ext uri="{D42A27DB-BD31-4B8C-83A1-F6EECF244321}">
-                <p14:modId xmlns:p14="http://schemas.microsoft.com/office/powerpoint/2010/main" val="1976593599"/>
+                <p14:modId xmlns:p14="http://schemas.microsoft.com/office/powerpoint/2010/main" val="1872240069"/>
               </p:ext>
             </p:extLst>
           </p:nvPr>
         </p:nvGraphicFramePr>
         <p:xfrm>
-          <a:off x="3868738" y="863599"/>
-          <a:ext cx="7315200" cy="5213928"/>
+          <a:off x="3868738" y="1396999"/>
+          <a:ext cx="7315200" cy="4562187"/>
         </p:xfrm>
         <a:graphic>
           <a:graphicData uri="http://schemas.openxmlformats.org/drawingml/2006/table">
@@ -5139,21 +5360,21 @@
                 <a:gridCol w="2438400">
                   <a:extLst>
                     <a:ext uri="{9D8B030D-6E8A-4147-A177-3AD203B41FA5}">
-                      <a16:colId xmlns:a16="http://schemas.microsoft.com/office/drawing/2014/main" val="636062702"/>
+                      <a16:colId xmlns:a16="http://schemas.microsoft.com/office/drawing/2014/main" xmlns="" val="636062702"/>
                     </a:ext>
                   </a:extLst>
                 </a:gridCol>
                 <a:gridCol w="2438400">
                   <a:extLst>
                     <a:ext uri="{9D8B030D-6E8A-4147-A177-3AD203B41FA5}">
-                      <a16:colId xmlns:a16="http://schemas.microsoft.com/office/drawing/2014/main" val="437374549"/>
+                      <a16:colId xmlns:a16="http://schemas.microsoft.com/office/drawing/2014/main" xmlns="" val="437374549"/>
                     </a:ext>
                   </a:extLst>
                 </a:gridCol>
                 <a:gridCol w="2438400">
                   <a:extLst>
                     <a:ext uri="{9D8B030D-6E8A-4147-A177-3AD203B41FA5}">
-                      <a16:colId xmlns:a16="http://schemas.microsoft.com/office/drawing/2014/main" val="4026182732"/>
+                      <a16:colId xmlns:a16="http://schemas.microsoft.com/office/drawing/2014/main" xmlns="" val="4026182732"/>
                     </a:ext>
                   </a:extLst>
                 </a:gridCol>
@@ -5200,7 +5421,7 @@
                 </a:tc>
                 <a:extLst>
                   <a:ext uri="{0D108BD9-81ED-4DB2-BD59-A6C34878D82A}">
-                    <a16:rowId xmlns:a16="http://schemas.microsoft.com/office/drawing/2014/main" val="2043728393"/>
+                    <a16:rowId xmlns:a16="http://schemas.microsoft.com/office/drawing/2014/main" xmlns="" val="2043728393"/>
                   </a:ext>
                 </a:extLst>
               </a:tr>
@@ -5246,7 +5467,7 @@
                 </a:tc>
                 <a:extLst>
                   <a:ext uri="{0D108BD9-81ED-4DB2-BD59-A6C34878D82A}">
-                    <a16:rowId xmlns:a16="http://schemas.microsoft.com/office/drawing/2014/main" val="3043368680"/>
+                    <a16:rowId xmlns:a16="http://schemas.microsoft.com/office/drawing/2014/main" xmlns="" val="3043368680"/>
                   </a:ext>
                 </a:extLst>
               </a:tr>
@@ -5292,7 +5513,7 @@
                 </a:tc>
                 <a:extLst>
                   <a:ext uri="{0D108BD9-81ED-4DB2-BD59-A6C34878D82A}">
-                    <a16:rowId xmlns:a16="http://schemas.microsoft.com/office/drawing/2014/main" val="3556370394"/>
+                    <a16:rowId xmlns:a16="http://schemas.microsoft.com/office/drawing/2014/main" xmlns="" val="3556370394"/>
                   </a:ext>
                 </a:extLst>
               </a:tr>
@@ -5338,7 +5559,7 @@
                 </a:tc>
                 <a:extLst>
                   <a:ext uri="{0D108BD9-81ED-4DB2-BD59-A6C34878D82A}">
-                    <a16:rowId xmlns:a16="http://schemas.microsoft.com/office/drawing/2014/main" val="3876011167"/>
+                    <a16:rowId xmlns:a16="http://schemas.microsoft.com/office/drawing/2014/main" xmlns="" val="3876011167"/>
                   </a:ext>
                 </a:extLst>
               </a:tr>
@@ -5384,7 +5605,7 @@
                 </a:tc>
                 <a:extLst>
                   <a:ext uri="{0D108BD9-81ED-4DB2-BD59-A6C34878D82A}">
-                    <a16:rowId xmlns:a16="http://schemas.microsoft.com/office/drawing/2014/main" val="1557389383"/>
+                    <a16:rowId xmlns:a16="http://schemas.microsoft.com/office/drawing/2014/main" xmlns="" val="1557389383"/>
                   </a:ext>
                 </a:extLst>
               </a:tr>
@@ -5430,103 +5651,7 @@
                 </a:tc>
                 <a:extLst>
                   <a:ext uri="{0D108BD9-81ED-4DB2-BD59-A6C34878D82A}">
-                    <a16:rowId xmlns:a16="http://schemas.microsoft.com/office/drawing/2014/main" val="2214749031"/>
-                  </a:ext>
-                </a:extLst>
-              </a:tr>
-              <a:tr h="651741">
-                <a:tc>
-                  <a:txBody>
-                    <a:bodyPr/>
-                    <a:lstStyle/>
-                    <a:p>
-                      <a:r>
-                        <a:rPr lang="es-MX" dirty="0"/>
-                        <a:t>Dispensador de A.</a:t>
-                      </a:r>
-                    </a:p>
-                  </a:txBody>
-                  <a:tcPr/>
-                </a:tc>
-                <a:tc>
-                  <a:txBody>
-                    <a:bodyPr/>
-                    <a:lstStyle/>
-                    <a:p>
-                      <a:pPr marL="0" marR="0" lvl="0" indent="0" algn="l" defTabSz="914400" rtl="0" eaLnBrk="1" fontAlgn="auto" latinLnBrk="0" hangingPunct="1">
-                        <a:lnSpc>
-                          <a:spcPct val="100000"/>
-                        </a:lnSpc>
-                        <a:spcBef>
-                          <a:spcPts val="0"/>
-                        </a:spcBef>
-                        <a:spcAft>
-                          <a:spcPts val="0"/>
-                        </a:spcAft>
-                        <a:buClrTx/>
-                        <a:buSzTx/>
-                        <a:buFontTx/>
-                        <a:buNone/>
-                        <a:tabLst/>
-                        <a:defRPr/>
-                      </a:pPr>
-                      <a:r>
-                        <a:rPr lang="es-MX" sz="1800" dirty="0">
-                          <a:effectLst/>
-                        </a:rPr>
-                        <a:t>$876.00</a:t>
-                      </a:r>
-                      <a:endParaRPr lang="es-MX" sz="1800" dirty="0">
-                        <a:effectLst/>
-                        <a:latin typeface="Century Gothic" panose="020B0502020202020204" pitchFamily="34" charset="0"/>
-                        <a:ea typeface="STKaiti"/>
-                        <a:cs typeface="Tahoma" panose="020B0604030504040204" pitchFamily="34" charset="0"/>
-                      </a:endParaRPr>
-                    </a:p>
-                  </a:txBody>
-                  <a:tcPr/>
-                </a:tc>
-                <a:tc>
-                  <a:txBody>
-                    <a:bodyPr/>
-                    <a:lstStyle/>
-                    <a:p>
-                      <a:pPr marL="0" marR="0" lvl="0" indent="0" algn="l" defTabSz="914400" rtl="0" eaLnBrk="1" fontAlgn="auto" latinLnBrk="0" hangingPunct="1">
-                        <a:lnSpc>
-                          <a:spcPct val="100000"/>
-                        </a:lnSpc>
-                        <a:spcBef>
-                          <a:spcPts val="0"/>
-                        </a:spcBef>
-                        <a:spcAft>
-                          <a:spcPts val="0"/>
-                        </a:spcAft>
-                        <a:buClrTx/>
-                        <a:buSzTx/>
-                        <a:buFontTx/>
-                        <a:buNone/>
-                        <a:tabLst/>
-                        <a:defRPr/>
-                      </a:pPr>
-                      <a:r>
-                        <a:rPr lang="es-MX" sz="1800" dirty="0">
-                          <a:effectLst/>
-                        </a:rPr>
-                        <a:t>$876.00</a:t>
-                      </a:r>
-                      <a:endParaRPr lang="es-MX" sz="1800" dirty="0">
-                        <a:effectLst/>
-                        <a:latin typeface="Century Gothic" panose="020B0502020202020204" pitchFamily="34" charset="0"/>
-                        <a:ea typeface="STKaiti"/>
-                        <a:cs typeface="Tahoma" panose="020B0604030504040204" pitchFamily="34" charset="0"/>
-                      </a:endParaRPr>
-                    </a:p>
-                  </a:txBody>
-                  <a:tcPr/>
-                </a:tc>
-                <a:extLst>
-                  <a:ext uri="{0D108BD9-81ED-4DB2-BD59-A6C34878D82A}">
-                    <a16:rowId xmlns:a16="http://schemas.microsoft.com/office/drawing/2014/main" val="3745731554"/>
+                    <a16:rowId xmlns:a16="http://schemas.microsoft.com/office/drawing/2014/main" xmlns="" val="2214749031"/>
                   </a:ext>
                 </a:extLst>
               </a:tr>
@@ -5578,7 +5703,15 @@
                       </a:pPr>
                       <a:r>
                         <a:rPr lang="es-MX" dirty="0"/>
-                        <a:t>$1,680,876 pesos M.X.</a:t>
+                        <a:t>$</a:t>
+                      </a:r>
+                      <a:r>
+                        <a:rPr lang="es-MX" dirty="0" smtClean="0"/>
+                        <a:t>1,680,000 </a:t>
+                      </a:r>
+                      <a:r>
+                        <a:rPr lang="es-MX" dirty="0"/>
+                        <a:t>pesos M.X.</a:t>
                       </a:r>
                     </a:p>
                   </a:txBody>
@@ -5586,7 +5719,7 @@
                 </a:tc>
                 <a:extLst>
                   <a:ext uri="{0D108BD9-81ED-4DB2-BD59-A6C34878D82A}">
-                    <a16:rowId xmlns:a16="http://schemas.microsoft.com/office/drawing/2014/main" val="110114548"/>
+                    <a16:rowId xmlns:a16="http://schemas.microsoft.com/office/drawing/2014/main" xmlns="" val="110114548"/>
                   </a:ext>
                 </a:extLst>
               </a:tr>
@@ -5594,6 +5727,39 @@
           </a:graphicData>
         </a:graphic>
       </p:graphicFrame>
+      <p:pic>
+        <p:nvPicPr>
+          <p:cNvPr id="5" name="Imagen 4" descr="LogoPetSitting"/>
+          <p:cNvPicPr/>
+          <p:nvPr/>
+        </p:nvPicPr>
+        <p:blipFill>
+          <a:blip r:embed="rId2" cstate="print">
+            <a:extLst>
+              <a:ext uri="{28A0092B-C50C-407E-A947-70E740481C1C}">
+                <a14:useLocalDpi xmlns:a14="http://schemas.microsoft.com/office/drawing/2010/main" val="0"/>
+              </a:ext>
+            </a:extLst>
+          </a:blip>
+          <a:srcRect/>
+          <a:stretch>
+            <a:fillRect/>
+          </a:stretch>
+        </p:blipFill>
+        <p:spPr bwMode="auto">
+          <a:xfrm>
+            <a:off x="10387755" y="284353"/>
+            <a:ext cx="1148080" cy="706755"/>
+          </a:xfrm>
+          <a:prstGeom prst="rect">
+            <a:avLst/>
+          </a:prstGeom>
+          <a:noFill/>
+          <a:ln>
+            <a:noFill/>
+          </a:ln>
+        </p:spPr>
+      </p:pic>
     </p:spTree>
     <p:extLst>
       <p:ext uri="{BB962C8B-B14F-4D97-AF65-F5344CB8AC3E}">
@@ -5640,6 +5806,123 @@
           <a:lstStyle/>
           <a:p>
             <a:pPr algn="ctr"/>
+            <a:r>
+              <a:rPr lang="es-MX" dirty="0" smtClean="0"/>
+              <a:t>Costo total del proyecto</a:t>
+            </a:r>
+            <a:endParaRPr lang="es-MX" dirty="0"/>
+          </a:p>
+        </p:txBody>
+      </p:sp>
+      <p:sp>
+        <p:nvSpPr>
+          <p:cNvPr id="3" name="Marcador de contenido 2"/>
+          <p:cNvSpPr>
+            <a:spLocks noGrp="1"/>
+          </p:cNvSpPr>
+          <p:nvPr>
+            <p:ph idx="1"/>
+          </p:nvPr>
+        </p:nvSpPr>
+        <p:spPr/>
+        <p:txBody>
+          <a:bodyPr/>
+          <a:lstStyle/>
+          <a:p>
+            <a:pPr algn="ctr"/>
+            <a:r>
+              <a:rPr lang="es-MX" sz="3200" dirty="0"/>
+              <a:t>$1,680,876 pesos M.X.</a:t>
+            </a:r>
+          </a:p>
+          <a:p>
+            <a:endParaRPr lang="es-MX" dirty="0"/>
+          </a:p>
+        </p:txBody>
+      </p:sp>
+      <p:pic>
+        <p:nvPicPr>
+          <p:cNvPr id="4" name="Imagen 3" descr="LogoPetSitting"/>
+          <p:cNvPicPr/>
+          <p:nvPr/>
+        </p:nvPicPr>
+        <p:blipFill>
+          <a:blip r:embed="rId2" cstate="print">
+            <a:extLst>
+              <a:ext uri="{28A0092B-C50C-407E-A947-70E740481C1C}">
+                <a14:useLocalDpi xmlns:a14="http://schemas.microsoft.com/office/drawing/2010/main" val="0"/>
+              </a:ext>
+            </a:extLst>
+          </a:blip>
+          <a:srcRect/>
+          <a:stretch>
+            <a:fillRect/>
+          </a:stretch>
+        </p:blipFill>
+        <p:spPr bwMode="auto">
+          <a:xfrm>
+            <a:off x="10387755" y="284353"/>
+            <a:ext cx="1148080" cy="706755"/>
+          </a:xfrm>
+          <a:prstGeom prst="rect">
+            <a:avLst/>
+          </a:prstGeom>
+          <a:noFill/>
+          <a:ln>
+            <a:noFill/>
+          </a:ln>
+        </p:spPr>
+      </p:pic>
+    </p:spTree>
+    <p:extLst>
+      <p:ext uri="{BB962C8B-B14F-4D97-AF65-F5344CB8AC3E}">
+        <p14:creationId xmlns:p14="http://schemas.microsoft.com/office/powerpoint/2010/main" val="274706870"/>
+      </p:ext>
+    </p:extLst>
+  </p:cSld>
+  <p:clrMapOvr>
+    <a:masterClrMapping/>
+  </p:clrMapOvr>
+</p:sld>
+</file>
+
+<file path=ppt/slides/slide9.xml><?xml version="1.0" encoding="utf-8"?>
+<p:sld xmlns:a="http://schemas.openxmlformats.org/drawingml/2006/main" xmlns:r="http://schemas.openxmlformats.org/officeDocument/2006/relationships" xmlns:p="http://schemas.openxmlformats.org/presentationml/2006/main">
+  <p:cSld>
+    <p:spTree>
+      <p:nvGrpSpPr>
+        <p:cNvPr id="1" name=""/>
+        <p:cNvGrpSpPr/>
+        <p:nvPr/>
+      </p:nvGrpSpPr>
+      <p:grpSpPr>
+        <a:xfrm>
+          <a:off x="0" y="0"/>
+          <a:ext cx="0" cy="0"/>
+          <a:chOff x="0" y="0"/>
+          <a:chExt cx="0" cy="0"/>
+        </a:xfrm>
+      </p:grpSpPr>
+      <p:sp>
+        <p:nvSpPr>
+          <p:cNvPr id="2" name="Título 1"/>
+          <p:cNvSpPr>
+            <a:spLocks noGrp="1"/>
+          </p:cNvSpPr>
+          <p:nvPr>
+            <p:ph type="title"/>
+          </p:nvPr>
+        </p:nvSpPr>
+        <p:spPr/>
+        <p:txBody>
+          <a:bodyPr/>
+          <a:lstStyle/>
+          <a:p>
+            <a:pPr algn="ctr"/>
+            <a:r>
+              <a:rPr lang="es-MX" dirty="0"/>
+              <a:t/>
+            </a:r>
             <a:br>
               <a:rPr lang="es-MX" dirty="0"/>
             </a:br>
@@ -5721,135 +6004,6 @@
     <p:extLst>
       <p:ext uri="{BB962C8B-B14F-4D97-AF65-F5344CB8AC3E}">
         <p14:creationId xmlns:p14="http://schemas.microsoft.com/office/powerpoint/2010/main" val="4130889384"/>
-      </p:ext>
-    </p:extLst>
-  </p:cSld>
-  <p:clrMapOvr>
-    <a:masterClrMapping/>
-  </p:clrMapOvr>
-</p:sld>
-</file>
-
-<file path=ppt/slides/slide9.xml><?xml version="1.0" encoding="utf-8"?>
-<p:sld xmlns:a="http://schemas.openxmlformats.org/drawingml/2006/main" xmlns:r="http://schemas.openxmlformats.org/officeDocument/2006/relationships" xmlns:p="http://schemas.openxmlformats.org/presentationml/2006/main">
-  <p:cSld>
-    <p:spTree>
-      <p:nvGrpSpPr>
-        <p:cNvPr id="1" name=""/>
-        <p:cNvGrpSpPr/>
-        <p:nvPr/>
-      </p:nvGrpSpPr>
-      <p:grpSpPr>
-        <a:xfrm>
-          <a:off x="0" y="0"/>
-          <a:ext cx="0" cy="0"/>
-          <a:chOff x="0" y="0"/>
-          <a:chExt cx="0" cy="0"/>
-        </a:xfrm>
-      </p:grpSpPr>
-      <p:sp>
-        <p:nvSpPr>
-          <p:cNvPr id="2" name="Título 1"/>
-          <p:cNvSpPr>
-            <a:spLocks noGrp="1"/>
-          </p:cNvSpPr>
-          <p:nvPr>
-            <p:ph type="title"/>
-          </p:nvPr>
-        </p:nvSpPr>
-        <p:spPr/>
-        <p:txBody>
-          <a:bodyPr/>
-          <a:lstStyle/>
-          <a:p>
-            <a:pPr algn="ctr"/>
-            <a:br>
-              <a:rPr lang="es-MX" dirty="0"/>
-            </a:br>
-            <a:r>
-              <a:rPr lang="es-MX" sz="2400" dirty="0"/>
-              <a:t>(</a:t>
-            </a:r>
-            <a:r>
-              <a:rPr lang="es-MX" sz="2400" dirty="0" err="1"/>
-              <a:t>Storyboards</a:t>
-            </a:r>
-            <a:r>
-              <a:rPr lang="es-MX" sz="2400" dirty="0"/>
-              <a:t> de la aplicación de escritorio.) </a:t>
-            </a:r>
-          </a:p>
-        </p:txBody>
-      </p:sp>
-      <p:pic>
-        <p:nvPicPr>
-          <p:cNvPr id="4" name="Imagen 3" descr="LogoPetSitting"/>
-          <p:cNvPicPr/>
-          <p:nvPr/>
-        </p:nvPicPr>
-        <p:blipFill>
-          <a:blip r:embed="rId2" cstate="print">
-            <a:extLst>
-              <a:ext uri="{28A0092B-C50C-407E-A947-70E740481C1C}">
-                <a14:useLocalDpi xmlns:a14="http://schemas.microsoft.com/office/drawing/2010/main" val="0"/>
-              </a:ext>
-            </a:extLst>
-          </a:blip>
-          <a:srcRect/>
-          <a:stretch>
-            <a:fillRect/>
-          </a:stretch>
-        </p:blipFill>
-        <p:spPr bwMode="auto">
-          <a:xfrm>
-            <a:off x="10387755" y="284353"/>
-            <a:ext cx="1148080" cy="706755"/>
-          </a:xfrm>
-          <a:prstGeom prst="rect">
-            <a:avLst/>
-          </a:prstGeom>
-          <a:noFill/>
-          <a:ln>
-            <a:noFill/>
-          </a:ln>
-        </p:spPr>
-      </p:pic>
-      <p:pic>
-        <p:nvPicPr>
-          <p:cNvPr id="5" name="Marcador de contenido 4"/>
-          <p:cNvPicPr>
-            <a:picLocks noGrp="1"/>
-          </p:cNvPicPr>
-          <p:nvPr>
-            <p:ph idx="1"/>
-          </p:nvPr>
-        </p:nvPicPr>
-        <p:blipFill>
-          <a:blip r:embed="rId3">
-            <a:extLst>
-              <a:ext uri="{28A0092B-C50C-407E-A947-70E740481C1C}">
-                <a14:useLocalDpi xmlns:a14="http://schemas.microsoft.com/office/drawing/2010/main" val="0"/>
-              </a:ext>
-            </a:extLst>
-          </a:blip>
-          <a:stretch>
-            <a:fillRect/>
-          </a:stretch>
-        </p:blipFill>
-        <p:spPr>
-          <a:xfrm>
-            <a:off x="4965700" y="991108"/>
-            <a:ext cx="4979988" cy="4733912"/>
-          </a:xfrm>
-          <a:prstGeom prst="rect">
-            <a:avLst/>
-          </a:prstGeom>
-        </p:spPr>
-      </p:pic>
-    </p:spTree>
-    <p:extLst>
-      <p:ext uri="{BB962C8B-B14F-4D97-AF65-F5344CB8AC3E}">
-        <p14:creationId xmlns:p14="http://schemas.microsoft.com/office/powerpoint/2010/main" val="417094480"/>
       </p:ext>
     </p:extLst>
   </p:cSld>
